--- a/_PowerPoints/2nd Semester/Unit 5 Polynomials/Algebra4_Day_050 [Quiz] Finish 5.6 Fundamental Theorem of Algebra.pptx
+++ b/_PowerPoints/2nd Semester/Unit 5 Polynomials/Algebra4_Day_050 [Quiz] Finish 5.6 Fundamental Theorem of Algebra.pptx
@@ -4014,8 +4014,12 @@
           <a:lstStyle/>
           <a:p>
             <a:r>
-              <a:rPr lang="en-US" dirty="0" smtClean="0"/>
-              <a:t>Day 49</a:t>
+              <a:rPr lang="en-US" smtClean="0"/>
+              <a:t>Day </a:t>
+            </a:r>
+            <a:r>
+              <a:rPr lang="en-US" smtClean="0"/>
+              <a:t>50</a:t>
             </a:r>
             <a:endParaRPr lang="en-US" dirty="0"/>
           </a:p>
